--- a/FunPro/C#/Lectures/lecture20.pptx
+++ b/FunPro/C#/Lectures/lecture20.pptx
@@ -266,7 +266,7 @@
           <a:p>
             <a:fld id="{13290B33-FBAA-4D67-AB4C-DF246DE85BA5}" type="datetimeFigureOut">
               <a:rPr lang="en-US" smtClean="0"/>
-              <a:t>2/15/2019</a:t>
+              <a:t>2/24/2019</a:t>
             </a:fld>
             <a:endParaRPr lang="en-US"/>
           </a:p>
@@ -10061,7 +10061,11 @@
             <a:pPr eaLnBrk="1" hangingPunct="1"/>
             <a:r>
               <a:rPr lang="en-US" smtClean="0"/>
-              <a:t>Lecture 21</a:t>
+              <a:t>Lecture </a:t>
+            </a:r>
+            <a:r>
+              <a:rPr lang="en-US" smtClean="0"/>
+              <a:t>20</a:t>
             </a:r>
             <a:endParaRPr lang="en-US" dirty="0" smtClean="0"/>
           </a:p>
